--- a/Documents/NBME Identity Scenarios.pptx
+++ b/Documents/NBME Identity Scenarios.pptx
@@ -208,7 +208,7 @@
           <a:p>
             <a:fld id="{36144DBF-5774-4D97-8143-6BE069F9C3D7}" type="datetimeFigureOut">
               <a:rPr lang="en-US" smtClean="0"/>
-              <a:t>1/2/2018</a:t>
+              <a:t>1/9/2018</a:t>
             </a:fld>
             <a:endParaRPr lang="en-US"/>
           </a:p>
@@ -724,7 +724,7 @@
           <a:p>
             <a:fld id="{CFEEE24D-0107-4D18-BF1D-EEFC70A71D96}" type="datetimeFigureOut">
               <a:rPr lang="en-US" smtClean="0"/>
-              <a:t>1/2/2018</a:t>
+              <a:t>1/9/2018</a:t>
             </a:fld>
             <a:endParaRPr lang="en-US"/>
           </a:p>
@@ -922,7 +922,7 @@
           <a:p>
             <a:fld id="{CFEEE24D-0107-4D18-BF1D-EEFC70A71D96}" type="datetimeFigureOut">
               <a:rPr lang="en-US" smtClean="0"/>
-              <a:t>1/2/2018</a:t>
+              <a:t>1/9/2018</a:t>
             </a:fld>
             <a:endParaRPr lang="en-US"/>
           </a:p>
@@ -1130,7 +1130,7 @@
           <a:p>
             <a:fld id="{CFEEE24D-0107-4D18-BF1D-EEFC70A71D96}" type="datetimeFigureOut">
               <a:rPr lang="en-US" smtClean="0"/>
-              <a:t>1/2/2018</a:t>
+              <a:t>1/9/2018</a:t>
             </a:fld>
             <a:endParaRPr lang="en-US"/>
           </a:p>
@@ -1338,7 +1338,7 @@
           <a:p>
             <a:fld id="{CFEEE24D-0107-4D18-BF1D-EEFC70A71D96}" type="datetimeFigureOut">
               <a:rPr lang="en-US" smtClean="0"/>
-              <a:t>1/2/2018</a:t>
+              <a:t>1/9/2018</a:t>
             </a:fld>
             <a:endParaRPr lang="en-US"/>
           </a:p>
@@ -1613,7 +1613,7 @@
           <a:p>
             <a:fld id="{CFEEE24D-0107-4D18-BF1D-EEFC70A71D96}" type="datetimeFigureOut">
               <a:rPr lang="en-US" smtClean="0"/>
-              <a:t>1/2/2018</a:t>
+              <a:t>1/9/2018</a:t>
             </a:fld>
             <a:endParaRPr lang="en-US"/>
           </a:p>
@@ -1878,7 +1878,7 @@
           <a:p>
             <a:fld id="{CFEEE24D-0107-4D18-BF1D-EEFC70A71D96}" type="datetimeFigureOut">
               <a:rPr lang="en-US" smtClean="0"/>
-              <a:t>1/2/2018</a:t>
+              <a:t>1/9/2018</a:t>
             </a:fld>
             <a:endParaRPr lang="en-US"/>
           </a:p>
@@ -2290,7 +2290,7 @@
           <a:p>
             <a:fld id="{CFEEE24D-0107-4D18-BF1D-EEFC70A71D96}" type="datetimeFigureOut">
               <a:rPr lang="en-US" smtClean="0"/>
-              <a:t>1/2/2018</a:t>
+              <a:t>1/9/2018</a:t>
             </a:fld>
             <a:endParaRPr lang="en-US"/>
           </a:p>
@@ -2431,7 +2431,7 @@
           <a:p>
             <a:fld id="{CFEEE24D-0107-4D18-BF1D-EEFC70A71D96}" type="datetimeFigureOut">
               <a:rPr lang="en-US" smtClean="0"/>
-              <a:t>1/2/2018</a:t>
+              <a:t>1/9/2018</a:t>
             </a:fld>
             <a:endParaRPr lang="en-US"/>
           </a:p>
@@ -2544,7 +2544,7 @@
           <a:p>
             <a:fld id="{CFEEE24D-0107-4D18-BF1D-EEFC70A71D96}" type="datetimeFigureOut">
               <a:rPr lang="en-US" smtClean="0"/>
-              <a:t>1/2/2018</a:t>
+              <a:t>1/9/2018</a:t>
             </a:fld>
             <a:endParaRPr lang="en-US"/>
           </a:p>
@@ -2855,7 +2855,7 @@
           <a:p>
             <a:fld id="{CFEEE24D-0107-4D18-BF1D-EEFC70A71D96}" type="datetimeFigureOut">
               <a:rPr lang="en-US" smtClean="0"/>
-              <a:t>1/2/2018</a:t>
+              <a:t>1/9/2018</a:t>
             </a:fld>
             <a:endParaRPr lang="en-US"/>
           </a:p>
@@ -3143,7 +3143,7 @@
           <a:p>
             <a:fld id="{CFEEE24D-0107-4D18-BF1D-EEFC70A71D96}" type="datetimeFigureOut">
               <a:rPr lang="en-US" smtClean="0"/>
-              <a:t>1/2/2018</a:t>
+              <a:t>1/9/2018</a:t>
             </a:fld>
             <a:endParaRPr lang="en-US"/>
           </a:p>
@@ -3389,7 +3389,7 @@
           <a:p>
             <a:fld id="{CFEEE24D-0107-4D18-BF1D-EEFC70A71D96}" type="datetimeFigureOut">
               <a:rPr lang="en-US" smtClean="0"/>
-              <a:t>1/2/2018</a:t>
+              <a:t>1/9/2018</a:t>
             </a:fld>
             <a:endParaRPr lang="en-US"/>
           </a:p>
@@ -5093,7 +5093,7 @@
         <p:spPr>
           <a:xfrm>
             <a:off x="9461988" y="2963338"/>
-            <a:ext cx="2433871" cy="369332"/>
+            <a:ext cx="1959383" cy="646331"/>
           </a:xfrm>
           <a:prstGeom prst="rect">
             <a:avLst/>
@@ -5112,7 +5112,17 @@
                 <a:ea typeface="Open Sans" panose="020B0606030504020204" pitchFamily="34" charset="0"/>
                 <a:cs typeface="Open Sans" panose="020B0606030504020204" pitchFamily="34" charset="0"/>
               </a:rPr>
-              <a:t>Azure AD Application</a:t>
+              <a:t>Azure AD </a:t>
+            </a:r>
+          </a:p>
+          <a:p>
+            <a:r>
+              <a:rPr lang="en-US" dirty="0">
+                <a:latin typeface="Open Sans" panose="020B0606030504020204" pitchFamily="34" charset="0"/>
+                <a:ea typeface="Open Sans" panose="020B0606030504020204" pitchFamily="34" charset="0"/>
+                <a:cs typeface="Open Sans" panose="020B0606030504020204" pitchFamily="34" charset="0"/>
+              </a:rPr>
+              <a:t>App Registration</a:t>
             </a:r>
           </a:p>
         </p:txBody>
@@ -5407,6 +5417,698 @@
                 </a:solidFill>
               </a:rPr>
               <a:t>Scenario</a:t>
+            </a:r>
+          </a:p>
+        </p:txBody>
+      </p:sp>
+      <p:grpSp>
+        <p:nvGrpSpPr>
+          <p:cNvPr id="32" name="Group 4">
+            <a:extLst>
+              <a:ext uri="{FF2B5EF4-FFF2-40B4-BE49-F238E27FC236}">
+                <a16:creationId xmlns:a16="http://schemas.microsoft.com/office/drawing/2014/main" id="{2505D0B7-D3E3-4401-9BA3-3F6DA8FC100F}"/>
+              </a:ext>
+            </a:extLst>
+          </p:cNvPr>
+          <p:cNvGrpSpPr>
+            <a:grpSpLocks noChangeAspect="1"/>
+          </p:cNvGrpSpPr>
+          <p:nvPr/>
+        </p:nvGrpSpPr>
+        <p:grpSpPr bwMode="auto">
+          <a:xfrm>
+            <a:off x="9675995" y="413965"/>
+            <a:ext cx="932426" cy="926546"/>
+            <a:chOff x="3125" y="1415"/>
+            <a:chExt cx="1586" cy="1576"/>
+          </a:xfrm>
+          <a:solidFill>
+            <a:srgbClr val="00B0F0"/>
+          </a:solidFill>
+        </p:grpSpPr>
+        <p:sp>
+          <p:nvSpPr>
+            <p:cNvPr id="33" name="Freeform 5">
+              <a:extLst>
+                <a:ext uri="{FF2B5EF4-FFF2-40B4-BE49-F238E27FC236}">
+                  <a16:creationId xmlns:a16="http://schemas.microsoft.com/office/drawing/2014/main" id="{997A6A28-9EF1-459E-B64C-55BBB35CCA0A}"/>
+                </a:ext>
+              </a:extLst>
+            </p:cNvPr>
+            <p:cNvSpPr>
+              <a:spLocks/>
+            </p:cNvSpPr>
+            <p:nvPr/>
+          </p:nvSpPr>
+          <p:spPr bwMode="auto">
+            <a:xfrm>
+              <a:off x="3942" y="2006"/>
+              <a:ext cx="273" cy="494"/>
+            </a:xfrm>
+            <a:custGeom>
+              <a:avLst/>
+              <a:gdLst>
+                <a:gd name="T0" fmla="*/ 19 w 115"/>
+                <a:gd name="T1" fmla="*/ 0 h 208"/>
+                <a:gd name="T2" fmla="*/ 0 w 115"/>
+                <a:gd name="T3" fmla="*/ 7 h 208"/>
+                <a:gd name="T4" fmla="*/ 0 w 115"/>
+                <a:gd name="T5" fmla="*/ 207 h 208"/>
+                <a:gd name="T6" fmla="*/ 3 w 115"/>
+                <a:gd name="T7" fmla="*/ 208 h 208"/>
+                <a:gd name="T8" fmla="*/ 114 w 115"/>
+                <a:gd name="T9" fmla="*/ 135 h 208"/>
+                <a:gd name="T10" fmla="*/ 114 w 115"/>
+                <a:gd name="T11" fmla="*/ 131 h 208"/>
+                <a:gd name="T12" fmla="*/ 115 w 115"/>
+                <a:gd name="T13" fmla="*/ 119 h 208"/>
+                <a:gd name="T14" fmla="*/ 19 w 115"/>
+                <a:gd name="T15" fmla="*/ 0 h 208"/>
+              </a:gdLst>
+              <a:ahLst/>
+              <a:cxnLst>
+                <a:cxn ang="0">
+                  <a:pos x="T0" y="T1"/>
+                </a:cxn>
+                <a:cxn ang="0">
+                  <a:pos x="T2" y="T3"/>
+                </a:cxn>
+                <a:cxn ang="0">
+                  <a:pos x="T4" y="T5"/>
+                </a:cxn>
+                <a:cxn ang="0">
+                  <a:pos x="T6" y="T7"/>
+                </a:cxn>
+                <a:cxn ang="0">
+                  <a:pos x="T8" y="T9"/>
+                </a:cxn>
+                <a:cxn ang="0">
+                  <a:pos x="T10" y="T11"/>
+                </a:cxn>
+                <a:cxn ang="0">
+                  <a:pos x="T12" y="T13"/>
+                </a:cxn>
+                <a:cxn ang="0">
+                  <a:pos x="T14" y="T15"/>
+                </a:cxn>
+              </a:cxnLst>
+              <a:rect l="0" t="0" r="r" b="b"/>
+              <a:pathLst>
+                <a:path w="115" h="208">
+                  <a:moveTo>
+                    <a:pt x="19" y="0"/>
+                  </a:moveTo>
+                  <a:cubicBezTo>
+                    <a:pt x="13" y="4"/>
+                    <a:pt x="6" y="6"/>
+                    <a:pt x="0" y="7"/>
+                  </a:cubicBezTo>
+                  <a:cubicBezTo>
+                    <a:pt x="0" y="207"/>
+                    <a:pt x="0" y="207"/>
+                    <a:pt x="0" y="207"/>
+                  </a:cubicBezTo>
+                  <a:cubicBezTo>
+                    <a:pt x="1" y="208"/>
+                    <a:pt x="2" y="208"/>
+                    <a:pt x="3" y="208"/>
+                  </a:cubicBezTo>
+                  <a:cubicBezTo>
+                    <a:pt x="114" y="135"/>
+                    <a:pt x="114" y="135"/>
+                    <a:pt x="114" y="135"/>
+                  </a:cubicBezTo>
+                  <a:cubicBezTo>
+                    <a:pt x="114" y="134"/>
+                    <a:pt x="114" y="132"/>
+                    <a:pt x="114" y="131"/>
+                  </a:cubicBezTo>
+                  <a:cubicBezTo>
+                    <a:pt x="114" y="127"/>
+                    <a:pt x="115" y="123"/>
+                    <a:pt x="115" y="119"/>
+                  </a:cubicBezTo>
+                  <a:lnTo>
+                    <a:pt x="19" y="0"/>
+                  </a:lnTo>
+                  <a:close/>
+                </a:path>
+              </a:pathLst>
+            </a:custGeom>
+            <a:grpFill/>
+            <a:ln w="9525">
+              <a:noFill/>
+              <a:round/>
+              <a:headEnd/>
+              <a:tailEnd/>
+            </a:ln>
+            <a:extLst/>
+          </p:spPr>
+          <p:txBody>
+            <a:bodyPr vert="horz" wrap="square" lIns="91366" tIns="45684" rIns="91366" bIns="45684" numCol="1" anchor="t" anchorCtr="0" compatLnSpc="1">
+              <a:prstTxWarp prst="textNoShape">
+                <a:avLst/>
+              </a:prstTxWarp>
+            </a:bodyPr>
+            <a:lstStyle/>
+            <a:p>
+              <a:pPr defTabSz="913587">
+                <a:defRPr/>
+              </a:pPr>
+              <a:endParaRPr lang="en-US" sz="1798" kern="0">
+                <a:solidFill>
+                  <a:srgbClr val="EFEFEF"/>
+                </a:solidFill>
+                <a:latin typeface="Segoe UI"/>
+              </a:endParaRPr>
+            </a:p>
+          </p:txBody>
+        </p:sp>
+        <p:sp>
+          <p:nvSpPr>
+            <p:cNvPr id="34" name="Freeform 6">
+              <a:extLst>
+                <a:ext uri="{FF2B5EF4-FFF2-40B4-BE49-F238E27FC236}">
+                  <a16:creationId xmlns:a16="http://schemas.microsoft.com/office/drawing/2014/main" id="{4A9763F5-61E6-4A53-AB65-029DE391535B}"/>
+                </a:ext>
+              </a:extLst>
+            </p:cNvPr>
+            <p:cNvSpPr>
+              <a:spLocks/>
+            </p:cNvSpPr>
+            <p:nvPr/>
+          </p:nvSpPr>
+          <p:spPr bwMode="auto">
+            <a:xfrm>
+              <a:off x="3600" y="2013"/>
+              <a:ext cx="275" cy="487"/>
+            </a:xfrm>
+            <a:custGeom>
+              <a:avLst/>
+              <a:gdLst>
+                <a:gd name="T0" fmla="*/ 0 w 116"/>
+                <a:gd name="T1" fmla="*/ 106 h 205"/>
+                <a:gd name="T2" fmla="*/ 5 w 116"/>
+                <a:gd name="T3" fmla="*/ 128 h 205"/>
+                <a:gd name="T4" fmla="*/ 3 w 116"/>
+                <a:gd name="T5" fmla="*/ 141 h 205"/>
+                <a:gd name="T6" fmla="*/ 116 w 116"/>
+                <a:gd name="T7" fmla="*/ 205 h 205"/>
+                <a:gd name="T8" fmla="*/ 116 w 116"/>
+                <a:gd name="T9" fmla="*/ 1 h 205"/>
+                <a:gd name="T10" fmla="*/ 113 w 116"/>
+                <a:gd name="T11" fmla="*/ 0 h 205"/>
+                <a:gd name="T12" fmla="*/ 0 w 116"/>
+                <a:gd name="T13" fmla="*/ 106 h 205"/>
+              </a:gdLst>
+              <a:ahLst/>
+              <a:cxnLst>
+                <a:cxn ang="0">
+                  <a:pos x="T0" y="T1"/>
+                </a:cxn>
+                <a:cxn ang="0">
+                  <a:pos x="T2" y="T3"/>
+                </a:cxn>
+                <a:cxn ang="0">
+                  <a:pos x="T4" y="T5"/>
+                </a:cxn>
+                <a:cxn ang="0">
+                  <a:pos x="T6" y="T7"/>
+                </a:cxn>
+                <a:cxn ang="0">
+                  <a:pos x="T8" y="T9"/>
+                </a:cxn>
+                <a:cxn ang="0">
+                  <a:pos x="T10" y="T11"/>
+                </a:cxn>
+                <a:cxn ang="0">
+                  <a:pos x="T12" y="T13"/>
+                </a:cxn>
+              </a:cxnLst>
+              <a:rect l="0" t="0" r="r" b="b"/>
+              <a:pathLst>
+                <a:path w="116" h="205">
+                  <a:moveTo>
+                    <a:pt x="0" y="106"/>
+                  </a:moveTo>
+                  <a:cubicBezTo>
+                    <a:pt x="3" y="113"/>
+                    <a:pt x="5" y="120"/>
+                    <a:pt x="5" y="128"/>
+                  </a:cubicBezTo>
+                  <a:cubicBezTo>
+                    <a:pt x="5" y="132"/>
+                    <a:pt x="4" y="137"/>
+                    <a:pt x="3" y="141"/>
+                  </a:cubicBezTo>
+                  <a:cubicBezTo>
+                    <a:pt x="116" y="205"/>
+                    <a:pt x="116" y="205"/>
+                    <a:pt x="116" y="205"/>
+                  </a:cubicBezTo>
+                  <a:cubicBezTo>
+                    <a:pt x="116" y="1"/>
+                    <a:pt x="116" y="1"/>
+                    <a:pt x="116" y="1"/>
+                  </a:cubicBezTo>
+                  <a:cubicBezTo>
+                    <a:pt x="115" y="1"/>
+                    <a:pt x="114" y="1"/>
+                    <a:pt x="113" y="0"/>
+                  </a:cubicBezTo>
+                  <a:lnTo>
+                    <a:pt x="0" y="106"/>
+                  </a:lnTo>
+                  <a:close/>
+                </a:path>
+              </a:pathLst>
+            </a:custGeom>
+            <a:grpFill/>
+            <a:ln w="9525">
+              <a:noFill/>
+              <a:round/>
+              <a:headEnd/>
+              <a:tailEnd/>
+            </a:ln>
+            <a:extLst/>
+          </p:spPr>
+          <p:txBody>
+            <a:bodyPr vert="horz" wrap="square" lIns="91366" tIns="45684" rIns="91366" bIns="45684" numCol="1" anchor="t" anchorCtr="0" compatLnSpc="1">
+              <a:prstTxWarp prst="textNoShape">
+                <a:avLst/>
+              </a:prstTxWarp>
+            </a:bodyPr>
+            <a:lstStyle/>
+            <a:p>
+              <a:pPr defTabSz="913587">
+                <a:defRPr/>
+              </a:pPr>
+              <a:endParaRPr lang="en-US" sz="1798" kern="0">
+                <a:solidFill>
+                  <a:srgbClr val="EFEFEF"/>
+                </a:solidFill>
+                <a:latin typeface="Segoe UI"/>
+              </a:endParaRPr>
+            </a:p>
+          </p:txBody>
+        </p:sp>
+        <p:sp>
+          <p:nvSpPr>
+            <p:cNvPr id="35" name="Freeform 7">
+              <a:extLst>
+                <a:ext uri="{FF2B5EF4-FFF2-40B4-BE49-F238E27FC236}">
+                  <a16:creationId xmlns:a16="http://schemas.microsoft.com/office/drawing/2014/main" id="{F587B28B-22CB-486A-B562-D32ADFF2C8ED}"/>
+                </a:ext>
+              </a:extLst>
+            </p:cNvPr>
+            <p:cNvSpPr>
+              <a:spLocks noEditPoints="1"/>
+            </p:cNvSpPr>
+            <p:nvPr/>
+          </p:nvSpPr>
+          <p:spPr bwMode="auto">
+            <a:xfrm>
+              <a:off x="3125" y="1415"/>
+              <a:ext cx="1586" cy="1576"/>
+            </a:xfrm>
+            <a:custGeom>
+              <a:avLst/>
+              <a:gdLst>
+                <a:gd name="T0" fmla="*/ 331 w 668"/>
+                <a:gd name="T1" fmla="*/ 0 h 664"/>
+                <a:gd name="T2" fmla="*/ 0 w 668"/>
+                <a:gd name="T3" fmla="*/ 391 h 664"/>
+                <a:gd name="T4" fmla="*/ 331 w 668"/>
+                <a:gd name="T5" fmla="*/ 664 h 664"/>
+                <a:gd name="T6" fmla="*/ 668 w 668"/>
+                <a:gd name="T7" fmla="*/ 391 h 664"/>
+                <a:gd name="T8" fmla="*/ 331 w 668"/>
+                <a:gd name="T9" fmla="*/ 0 h 664"/>
+                <a:gd name="T10" fmla="*/ 511 w 668"/>
+                <a:gd name="T11" fmla="*/ 434 h 664"/>
+                <a:gd name="T12" fmla="*/ 473 w 668"/>
+                <a:gd name="T13" fmla="*/ 417 h 664"/>
+                <a:gd name="T14" fmla="*/ 379 w 668"/>
+                <a:gd name="T15" fmla="*/ 478 h 664"/>
+                <a:gd name="T16" fmla="*/ 389 w 668"/>
+                <a:gd name="T17" fmla="*/ 509 h 664"/>
+                <a:gd name="T18" fmla="*/ 335 w 668"/>
+                <a:gd name="T19" fmla="*/ 563 h 664"/>
+                <a:gd name="T20" fmla="*/ 282 w 668"/>
+                <a:gd name="T21" fmla="*/ 509 h 664"/>
+                <a:gd name="T22" fmla="*/ 293 w 668"/>
+                <a:gd name="T23" fmla="*/ 477 h 664"/>
+                <a:gd name="T24" fmla="*/ 189 w 668"/>
+                <a:gd name="T25" fmla="*/ 418 h 664"/>
+                <a:gd name="T26" fmla="*/ 152 w 668"/>
+                <a:gd name="T27" fmla="*/ 434 h 664"/>
+                <a:gd name="T28" fmla="*/ 98 w 668"/>
+                <a:gd name="T29" fmla="*/ 380 h 664"/>
+                <a:gd name="T30" fmla="*/ 152 w 668"/>
+                <a:gd name="T31" fmla="*/ 327 h 664"/>
+                <a:gd name="T32" fmla="*/ 178 w 668"/>
+                <a:gd name="T33" fmla="*/ 334 h 664"/>
+                <a:gd name="T34" fmla="*/ 287 w 668"/>
+                <a:gd name="T35" fmla="*/ 232 h 664"/>
+                <a:gd name="T36" fmla="*/ 277 w 668"/>
+                <a:gd name="T37" fmla="*/ 198 h 664"/>
+                <a:gd name="T38" fmla="*/ 335 w 668"/>
+                <a:gd name="T39" fmla="*/ 140 h 664"/>
+                <a:gd name="T40" fmla="*/ 394 w 668"/>
+                <a:gd name="T41" fmla="*/ 198 h 664"/>
+                <a:gd name="T42" fmla="*/ 386 w 668"/>
+                <a:gd name="T43" fmla="*/ 227 h 664"/>
+                <a:gd name="T44" fmla="*/ 478 w 668"/>
+                <a:gd name="T45" fmla="*/ 339 h 664"/>
+                <a:gd name="T46" fmla="*/ 511 w 668"/>
+                <a:gd name="T47" fmla="*/ 327 h 664"/>
+                <a:gd name="T48" fmla="*/ 565 w 668"/>
+                <a:gd name="T49" fmla="*/ 380 h 664"/>
+                <a:gd name="T50" fmla="*/ 511 w 668"/>
+                <a:gd name="T51" fmla="*/ 434 h 664"/>
+              </a:gdLst>
+              <a:ahLst/>
+              <a:cxnLst>
+                <a:cxn ang="0">
+                  <a:pos x="T0" y="T1"/>
+                </a:cxn>
+                <a:cxn ang="0">
+                  <a:pos x="T2" y="T3"/>
+                </a:cxn>
+                <a:cxn ang="0">
+                  <a:pos x="T4" y="T5"/>
+                </a:cxn>
+                <a:cxn ang="0">
+                  <a:pos x="T6" y="T7"/>
+                </a:cxn>
+                <a:cxn ang="0">
+                  <a:pos x="T8" y="T9"/>
+                </a:cxn>
+                <a:cxn ang="0">
+                  <a:pos x="T10" y="T11"/>
+                </a:cxn>
+                <a:cxn ang="0">
+                  <a:pos x="T12" y="T13"/>
+                </a:cxn>
+                <a:cxn ang="0">
+                  <a:pos x="T14" y="T15"/>
+                </a:cxn>
+                <a:cxn ang="0">
+                  <a:pos x="T16" y="T17"/>
+                </a:cxn>
+                <a:cxn ang="0">
+                  <a:pos x="T18" y="T19"/>
+                </a:cxn>
+                <a:cxn ang="0">
+                  <a:pos x="T20" y="T21"/>
+                </a:cxn>
+                <a:cxn ang="0">
+                  <a:pos x="T22" y="T23"/>
+                </a:cxn>
+                <a:cxn ang="0">
+                  <a:pos x="T24" y="T25"/>
+                </a:cxn>
+                <a:cxn ang="0">
+                  <a:pos x="T26" y="T27"/>
+                </a:cxn>
+                <a:cxn ang="0">
+                  <a:pos x="T28" y="T29"/>
+                </a:cxn>
+                <a:cxn ang="0">
+                  <a:pos x="T30" y="T31"/>
+                </a:cxn>
+                <a:cxn ang="0">
+                  <a:pos x="T32" y="T33"/>
+                </a:cxn>
+                <a:cxn ang="0">
+                  <a:pos x="T34" y="T35"/>
+                </a:cxn>
+                <a:cxn ang="0">
+                  <a:pos x="T36" y="T37"/>
+                </a:cxn>
+                <a:cxn ang="0">
+                  <a:pos x="T38" y="T39"/>
+                </a:cxn>
+                <a:cxn ang="0">
+                  <a:pos x="T40" y="T41"/>
+                </a:cxn>
+                <a:cxn ang="0">
+                  <a:pos x="T42" y="T43"/>
+                </a:cxn>
+                <a:cxn ang="0">
+                  <a:pos x="T44" y="T45"/>
+                </a:cxn>
+                <a:cxn ang="0">
+                  <a:pos x="T46" y="T47"/>
+                </a:cxn>
+                <a:cxn ang="0">
+                  <a:pos x="T48" y="T49"/>
+                </a:cxn>
+                <a:cxn ang="0">
+                  <a:pos x="T50" y="T51"/>
+                </a:cxn>
+              </a:cxnLst>
+              <a:rect l="0" t="0" r="r" b="b"/>
+              <a:pathLst>
+                <a:path w="668" h="664">
+                  <a:moveTo>
+                    <a:pt x="331" y="0"/>
+                  </a:moveTo>
+                  <a:cubicBezTo>
+                    <a:pt x="0" y="391"/>
+                    <a:pt x="0" y="391"/>
+                    <a:pt x="0" y="391"/>
+                  </a:cubicBezTo>
+                  <a:cubicBezTo>
+                    <a:pt x="331" y="664"/>
+                    <a:pt x="331" y="664"/>
+                    <a:pt x="331" y="664"/>
+                  </a:cubicBezTo>
+                  <a:cubicBezTo>
+                    <a:pt x="668" y="391"/>
+                    <a:pt x="668" y="391"/>
+                    <a:pt x="668" y="391"/>
+                  </a:cubicBezTo>
+                  <a:lnTo>
+                    <a:pt x="331" y="0"/>
+                  </a:lnTo>
+                  <a:close/>
+                  <a:moveTo>
+                    <a:pt x="511" y="434"/>
+                  </a:moveTo>
+                  <a:cubicBezTo>
+                    <a:pt x="496" y="434"/>
+                    <a:pt x="482" y="427"/>
+                    <a:pt x="473" y="417"/>
+                  </a:cubicBezTo>
+                  <a:cubicBezTo>
+                    <a:pt x="379" y="478"/>
+                    <a:pt x="379" y="478"/>
+                    <a:pt x="379" y="478"/>
+                  </a:cubicBezTo>
+                  <a:cubicBezTo>
+                    <a:pt x="385" y="487"/>
+                    <a:pt x="389" y="498"/>
+                    <a:pt x="389" y="509"/>
+                  </a:cubicBezTo>
+                  <a:cubicBezTo>
+                    <a:pt x="389" y="539"/>
+                    <a:pt x="365" y="563"/>
+                    <a:pt x="335" y="563"/>
+                  </a:cubicBezTo>
+                  <a:cubicBezTo>
+                    <a:pt x="305" y="563"/>
+                    <a:pt x="282" y="539"/>
+                    <a:pt x="282" y="509"/>
+                  </a:cubicBezTo>
+                  <a:cubicBezTo>
+                    <a:pt x="282" y="497"/>
+                    <a:pt x="286" y="486"/>
+                    <a:pt x="293" y="477"/>
+                  </a:cubicBezTo>
+                  <a:cubicBezTo>
+                    <a:pt x="189" y="418"/>
+                    <a:pt x="189" y="418"/>
+                    <a:pt x="189" y="418"/>
+                  </a:cubicBezTo>
+                  <a:cubicBezTo>
+                    <a:pt x="179" y="428"/>
+                    <a:pt x="166" y="434"/>
+                    <a:pt x="152" y="434"/>
+                  </a:cubicBezTo>
+                  <a:cubicBezTo>
+                    <a:pt x="122" y="434"/>
+                    <a:pt x="98" y="410"/>
+                    <a:pt x="98" y="380"/>
+                  </a:cubicBezTo>
+                  <a:cubicBezTo>
+                    <a:pt x="98" y="350"/>
+                    <a:pt x="122" y="327"/>
+                    <a:pt x="152" y="327"/>
+                  </a:cubicBezTo>
+                  <a:cubicBezTo>
+                    <a:pt x="161" y="327"/>
+                    <a:pt x="170" y="329"/>
+                    <a:pt x="178" y="334"/>
+                  </a:cubicBezTo>
+                  <a:cubicBezTo>
+                    <a:pt x="287" y="232"/>
+                    <a:pt x="287" y="232"/>
+                    <a:pt x="287" y="232"/>
+                  </a:cubicBezTo>
+                  <a:cubicBezTo>
+                    <a:pt x="281" y="222"/>
+                    <a:pt x="277" y="211"/>
+                    <a:pt x="277" y="198"/>
+                  </a:cubicBezTo>
+                  <a:cubicBezTo>
+                    <a:pt x="277" y="166"/>
+                    <a:pt x="303" y="140"/>
+                    <a:pt x="335" y="140"/>
+                  </a:cubicBezTo>
+                  <a:cubicBezTo>
+                    <a:pt x="367" y="140"/>
+                    <a:pt x="394" y="166"/>
+                    <a:pt x="394" y="198"/>
+                  </a:cubicBezTo>
+                  <a:cubicBezTo>
+                    <a:pt x="394" y="208"/>
+                    <a:pt x="391" y="218"/>
+                    <a:pt x="386" y="227"/>
+                  </a:cubicBezTo>
+                  <a:cubicBezTo>
+                    <a:pt x="478" y="339"/>
+                    <a:pt x="478" y="339"/>
+                    <a:pt x="478" y="339"/>
+                  </a:cubicBezTo>
+                  <a:cubicBezTo>
+                    <a:pt x="487" y="331"/>
+                    <a:pt x="499" y="327"/>
+                    <a:pt x="511" y="327"/>
+                  </a:cubicBezTo>
+                  <a:cubicBezTo>
+                    <a:pt x="541" y="327"/>
+                    <a:pt x="565" y="350"/>
+                    <a:pt x="565" y="380"/>
+                  </a:cubicBezTo>
+                  <a:cubicBezTo>
+                    <a:pt x="565" y="410"/>
+                    <a:pt x="541" y="434"/>
+                    <a:pt x="511" y="434"/>
+                  </a:cubicBezTo>
+                  <a:close/>
+                </a:path>
+              </a:pathLst>
+            </a:custGeom>
+            <a:grpFill/>
+            <a:ln w="9525">
+              <a:noFill/>
+              <a:round/>
+              <a:headEnd/>
+              <a:tailEnd/>
+            </a:ln>
+            <a:extLst/>
+          </p:spPr>
+          <p:txBody>
+            <a:bodyPr vert="horz" wrap="square" lIns="91366" tIns="45684" rIns="91366" bIns="45684" numCol="1" anchor="t" anchorCtr="0" compatLnSpc="1">
+              <a:prstTxWarp prst="textNoShape">
+                <a:avLst/>
+              </a:prstTxWarp>
+            </a:bodyPr>
+            <a:lstStyle/>
+            <a:p>
+              <a:pPr defTabSz="913587">
+                <a:defRPr/>
+              </a:pPr>
+              <a:endParaRPr lang="en-US" sz="1798" kern="0">
+                <a:solidFill>
+                  <a:srgbClr val="EFEFEF"/>
+                </a:solidFill>
+                <a:latin typeface="Segoe UI"/>
+              </a:endParaRPr>
+            </a:p>
+          </p:txBody>
+        </p:sp>
+      </p:grpSp>
+      <p:cxnSp>
+        <p:nvCxnSpPr>
+          <p:cNvPr id="4" name="Straight Arrow Connector 3">
+            <a:extLst>
+              <a:ext uri="{FF2B5EF4-FFF2-40B4-BE49-F238E27FC236}">
+                <a16:creationId xmlns:a16="http://schemas.microsoft.com/office/drawing/2014/main" id="{D0B19A9F-55CB-4771-82B6-5AF337229009}"/>
+              </a:ext>
+            </a:extLst>
+          </p:cNvPr>
+          <p:cNvCxnSpPr>
+            <a:cxnSpLocks/>
+            <a:stCxn id="35" idx="2"/>
+            <a:endCxn id="16" idx="0"/>
+          </p:cNvCxnSpPr>
+          <p:nvPr/>
+        </p:nvCxnSpPr>
+        <p:spPr>
+          <a:xfrm>
+            <a:off x="10138020" y="1340511"/>
+            <a:ext cx="14041" cy="1025758"/>
+          </a:xfrm>
+          <a:prstGeom prst="straightConnector1">
+            <a:avLst/>
+          </a:prstGeom>
+          <a:ln>
+            <a:headEnd type="triangle"/>
+            <a:tailEnd type="triangle"/>
+          </a:ln>
+        </p:spPr>
+        <p:style>
+          <a:lnRef idx="1">
+            <a:schemeClr val="accent1"/>
+          </a:lnRef>
+          <a:fillRef idx="0">
+            <a:schemeClr val="accent1"/>
+          </a:fillRef>
+          <a:effectRef idx="0">
+            <a:schemeClr val="accent1"/>
+          </a:effectRef>
+          <a:fontRef idx="minor">
+            <a:schemeClr val="tx1"/>
+          </a:fontRef>
+        </p:style>
+      </p:cxnSp>
+      <p:sp>
+        <p:nvSpPr>
+          <p:cNvPr id="36" name="TextBox 35">
+            <a:extLst>
+              <a:ext uri="{FF2B5EF4-FFF2-40B4-BE49-F238E27FC236}">
+                <a16:creationId xmlns:a16="http://schemas.microsoft.com/office/drawing/2014/main" id="{E54ED593-03A2-4437-A1E6-067E423C6EED}"/>
+              </a:ext>
+            </a:extLst>
+          </p:cNvPr>
+          <p:cNvSpPr txBox="1"/>
+          <p:nvPr/>
+        </p:nvSpPr>
+        <p:spPr>
+          <a:xfrm>
+            <a:off x="10377131" y="1129425"/>
+            <a:ext cx="1172309" cy="369332"/>
+          </a:xfrm>
+          <a:prstGeom prst="rect">
+            <a:avLst/>
+          </a:prstGeom>
+          <a:noFill/>
+        </p:spPr>
+        <p:txBody>
+          <a:bodyPr wrap="none" rtlCol="0">
+            <a:spAutoFit/>
+          </a:bodyPr>
+          <a:lstStyle/>
+          <a:p>
+            <a:r>
+              <a:rPr lang="en-US" dirty="0">
+                <a:latin typeface="Open Sans" panose="020B0606030504020204" pitchFamily="34" charset="0"/>
+                <a:ea typeface="Open Sans" panose="020B0606030504020204" pitchFamily="34" charset="0"/>
+                <a:cs typeface="Open Sans" panose="020B0606030504020204" pitchFamily="34" charset="0"/>
+              </a:rPr>
+              <a:t>Azure AD</a:t>
             </a:r>
           </a:p>
         </p:txBody>
@@ -10908,96 +11610,6 @@
       </p:cxnSp>
       <p:sp>
         <p:nvSpPr>
-          <p:cNvPr id="47" name="Rectangle 46">
-            <a:extLst>
-              <a:ext uri="{FF2B5EF4-FFF2-40B4-BE49-F238E27FC236}">
-                <a16:creationId xmlns:a16="http://schemas.microsoft.com/office/drawing/2014/main" id="{74D246DC-8200-48D5-AA6C-83BFDCD49673}"/>
-              </a:ext>
-            </a:extLst>
-          </p:cNvPr>
-          <p:cNvSpPr/>
-          <p:nvPr/>
-        </p:nvSpPr>
-        <p:spPr>
-          <a:xfrm>
-            <a:off x="4577556" y="2354800"/>
-            <a:ext cx="478016" cy="523220"/>
-          </a:xfrm>
-          <a:prstGeom prst="rect">
-            <a:avLst/>
-          </a:prstGeom>
-        </p:spPr>
-        <p:txBody>
-          <a:bodyPr wrap="none">
-            <a:spAutoFit/>
-          </a:bodyPr>
-          <a:lstStyle/>
-          <a:p>
-            <a:r>
-              <a:rPr lang="en-US" sz="2800" dirty="0">
-                <a:solidFill>
-                  <a:schemeClr val="accent2"/>
-                </a:solidFill>
-                <a:latin typeface="Segoe UI Symbol" panose="020B0502040204020203" pitchFamily="34" charset="0"/>
-                <a:ea typeface="Segoe UI Symbol" panose="020B0502040204020203" pitchFamily="34" charset="0"/>
-              </a:rPr>
-              <a:t>➊</a:t>
-            </a:r>
-            <a:endParaRPr lang="en-US" sz="2800" dirty="0">
-              <a:solidFill>
-                <a:schemeClr val="accent2"/>
-              </a:solidFill>
-            </a:endParaRPr>
-          </a:p>
-        </p:txBody>
-      </p:sp>
-      <p:sp>
-        <p:nvSpPr>
-          <p:cNvPr id="48" name="Rectangle 47">
-            <a:extLst>
-              <a:ext uri="{FF2B5EF4-FFF2-40B4-BE49-F238E27FC236}">
-                <a16:creationId xmlns:a16="http://schemas.microsoft.com/office/drawing/2014/main" id="{E95B4EEA-E58A-4232-BB80-438D76A0B166}"/>
-              </a:ext>
-            </a:extLst>
-          </p:cNvPr>
-          <p:cNvSpPr/>
-          <p:nvPr/>
-        </p:nvSpPr>
-        <p:spPr>
-          <a:xfrm>
-            <a:off x="6675965" y="2878020"/>
-            <a:ext cx="478016" cy="523220"/>
-          </a:xfrm>
-          <a:prstGeom prst="rect">
-            <a:avLst/>
-          </a:prstGeom>
-        </p:spPr>
-        <p:txBody>
-          <a:bodyPr wrap="none">
-            <a:spAutoFit/>
-          </a:bodyPr>
-          <a:lstStyle/>
-          <a:p>
-            <a:r>
-              <a:rPr lang="en-US" sz="2800" dirty="0">
-                <a:solidFill>
-                  <a:schemeClr val="accent2"/>
-                </a:solidFill>
-                <a:latin typeface="Segoe UI Symbol" panose="020B0502040204020203" pitchFamily="34" charset="0"/>
-                <a:ea typeface="Segoe UI Symbol" panose="020B0502040204020203" pitchFamily="34" charset="0"/>
-              </a:rPr>
-              <a:t>❷</a:t>
-            </a:r>
-            <a:endParaRPr lang="en-US" sz="2800" dirty="0">
-              <a:solidFill>
-                <a:schemeClr val="accent2"/>
-              </a:solidFill>
-            </a:endParaRPr>
-          </a:p>
-        </p:txBody>
-      </p:sp>
-      <p:sp>
-        <p:nvSpPr>
           <p:cNvPr id="49" name="TextBox 48">
             <a:extLst>
               <a:ext uri="{FF2B5EF4-FFF2-40B4-BE49-F238E27FC236}">
@@ -11010,8 +11622,8 @@
         </p:nvSpPr>
         <p:spPr>
           <a:xfrm>
-            <a:off x="3543670" y="3645729"/>
-            <a:ext cx="1706365" cy="861774"/>
+            <a:off x="3543670" y="3740096"/>
+            <a:ext cx="2184009" cy="584775"/>
           </a:xfrm>
           <a:prstGeom prst="rect">
             <a:avLst/>
@@ -11019,20 +11631,14 @@
           <a:noFill/>
         </p:spPr>
         <p:txBody>
-          <a:bodyPr wrap="none" rtlCol="0">
+          <a:bodyPr wrap="square" rtlCol="0">
             <a:spAutoFit/>
           </a:bodyPr>
           <a:lstStyle/>
           <a:p>
             <a:r>
               <a:rPr lang="en-US" dirty="0"/>
-              <a:t>Authorization </a:t>
-            </a:r>
-          </a:p>
-          <a:p>
-            <a:r>
-              <a:rPr lang="en-US" dirty="0"/>
-              <a:t>Token</a:t>
+              <a:t>Access Token</a:t>
             </a:r>
           </a:p>
           <a:p>
@@ -11042,7 +11648,7 @@
                   <a:schemeClr val="tx2"/>
                 </a:solidFill>
               </a:rPr>
-              <a:t>(OAuth Bearer/ JWT)</a:t>
+              <a:t>(OAuth 2.0 Bearer/ JWT)</a:t>
             </a:r>
           </a:p>
         </p:txBody>
@@ -11084,6 +11690,47 @@
                 <a:schemeClr val="tx2"/>
               </a:solidFill>
             </a:endParaRPr>
+          </a:p>
+        </p:txBody>
+      </p:sp>
+      <p:sp>
+        <p:nvSpPr>
+          <p:cNvPr id="3" name="TextBox 2">
+            <a:extLst>
+              <a:ext uri="{FF2B5EF4-FFF2-40B4-BE49-F238E27FC236}">
+                <a16:creationId xmlns:a16="http://schemas.microsoft.com/office/drawing/2014/main" id="{71292E5C-5333-4619-B0BB-3610EF0A6380}"/>
+              </a:ext>
+            </a:extLst>
+          </p:cNvPr>
+          <p:cNvSpPr txBox="1"/>
+          <p:nvPr/>
+        </p:nvSpPr>
+        <p:spPr>
+          <a:xfrm>
+            <a:off x="5029403" y="2204556"/>
+            <a:ext cx="1922321" cy="530915"/>
+          </a:xfrm>
+          <a:prstGeom prst="rect">
+            <a:avLst/>
+          </a:prstGeom>
+          <a:noFill/>
+        </p:spPr>
+        <p:txBody>
+          <a:bodyPr wrap="none" rtlCol="0">
+            <a:spAutoFit/>
+          </a:bodyPr>
+          <a:lstStyle/>
+          <a:p>
+            <a:r>
+              <a:rPr lang="en-US" dirty="0"/>
+              <a:t>Get Access Token</a:t>
+            </a:r>
+          </a:p>
+          <a:p>
+            <a:r>
+              <a:rPr lang="en-US" sz="1050" dirty="0"/>
+              <a:t>(AD Application Authentication)</a:t>
+            </a:r>
           </a:p>
         </p:txBody>
       </p:sp>
